--- a/semi/1stPre/Huang_Jiahui_20251016.pptx
+++ b/semi/1stPre/Huang_Jiahui_20251016.pptx
@@ -609,19 +609,11 @@
           <a:p>
             <a:r>
               <a:rPr lang="en-US" dirty="0"/>
-              <a:t>Hello everyone, I am Huang </a:t>
+              <a:t>Hello everyone, I am Huang Jiahui. Today I will present a review and discussion about a paper called “</a:t>
             </a:r>
             <a:r>
               <a:rPr lang="en-US" dirty="0" err="1"/>
-              <a:t>Jiahui.Today</a:t>
-            </a:r>
-            <a:r>
-              <a:rPr lang="en-US" dirty="0"/>
-              <a:t> I will present a review and discussion about a paper </a:t>
-            </a:r>
-            <a:r>
-              <a:rPr lang="en-US" dirty="0" err="1"/>
-              <a:t>called“KGGen</a:t>
+              <a:t>KGGen</a:t>
             </a:r>
             <a:r>
               <a:rPr lang="en-US" dirty="0"/>
@@ -1740,6 +1732,42 @@
               <a:t>too sparse</a:t>
             </a:r>
             <a:r>
+              <a:rPr lang="en-US" altLang="zh-CN" sz="1200" b="0" i="0" kern="1200" dirty="0">
+                <a:solidFill>
+                  <a:schemeClr val="tx1"/>
+                </a:solidFill>
+                <a:effectLst/>
+                <a:latin typeface="+mn-lt"/>
+                <a:ea typeface="+mn-ea"/>
+                <a:cs typeface="+mn-cs"/>
+              </a:rPr>
+              <a:t>[</a:t>
+            </a:r>
+            <a:r>
+              <a:rPr lang="en-US" altLang="zh-CN" sz="1200" b="0" i="0" kern="1200" dirty="0" err="1">
+                <a:solidFill>
+                  <a:schemeClr val="tx1"/>
+                </a:solidFill>
+                <a:effectLst/>
+                <a:latin typeface="+mn-lt"/>
+                <a:ea typeface="+mn-ea"/>
+                <a:cs typeface="+mn-cs"/>
+              </a:rPr>
+              <a:t>spɑːrs</a:t>
+            </a:r>
+            <a:r>
+              <a:rPr lang="en-US" altLang="zh-CN" sz="1200" b="0" i="0" kern="1200" dirty="0">
+                <a:solidFill>
+                  <a:schemeClr val="tx1"/>
+                </a:solidFill>
+                <a:effectLst/>
+                <a:latin typeface="+mn-lt"/>
+                <a:ea typeface="+mn-ea"/>
+                <a:cs typeface="+mn-cs"/>
+              </a:rPr>
+              <a:t>] </a:t>
+            </a:r>
+            <a:r>
               <a:rPr lang="en-US" altLang="zh-CN" sz="2400" b="0" dirty="0"/>
               <a:t>(which may lead to the omission of critical information) </a:t>
             </a:r>
@@ -2653,7 +2681,59 @@
                 <a:cs typeface="Arial" panose="020B0604020202020204"/>
                 <a:sym typeface="+mn-ea"/>
               </a:rPr>
-              <a:t>Knowledge graphs, or KGs, are structured representations composed of subject–predicate–object triples, such as (cryptocurrencies, enhance, security).</a:t>
+              <a:t>Knowledge graphs, or KGs, are structured representations composed of subject–predicate–object triples, such as (cryptocurrencies</a:t>
+            </a:r>
+            <a:r>
+              <a:rPr lang="en-US" altLang="zh-CN" sz="1200" b="0" i="0" kern="1200" dirty="0">
+                <a:solidFill>
+                  <a:schemeClr val="tx1"/>
+                </a:solidFill>
+                <a:effectLst/>
+                <a:latin typeface="+mn-lt"/>
+                <a:ea typeface="+mn-ea"/>
+                <a:cs typeface="+mn-cs"/>
+              </a:rPr>
+              <a:t>[</a:t>
+            </a:r>
+            <a:r>
+              <a:rPr lang="en-US" altLang="zh-CN" sz="1200" b="0" i="0" kern="1200" dirty="0" err="1">
+                <a:solidFill>
+                  <a:schemeClr val="tx1"/>
+                </a:solidFill>
+                <a:effectLst/>
+                <a:latin typeface="+mn-lt"/>
+                <a:ea typeface="+mn-ea"/>
+                <a:cs typeface="+mn-cs"/>
+              </a:rPr>
+              <a:t>krɪptoʊkɜːrənsi</a:t>
+            </a:r>
+            <a:r>
+              <a:rPr lang="en-US" altLang="zh-CN" sz="1200" b="0" i="0" kern="1200" dirty="0">
+                <a:solidFill>
+                  <a:schemeClr val="tx1"/>
+                </a:solidFill>
+                <a:effectLst/>
+                <a:latin typeface="+mn-lt"/>
+                <a:ea typeface="+mn-ea"/>
+                <a:cs typeface="+mn-cs"/>
+              </a:rPr>
+              <a:t>]</a:t>
+            </a:r>
+            <a:r>
+              <a:rPr lang="en-US" altLang="zh-CN" sz="2400" b="0" i="0" u="none" strike="noStrike" cap="none" spc="0" baseline="0" dirty="0">
+                <a:ln>
+                  <a:noFill/>
+                </a:ln>
+                <a:solidFill>
+                  <a:srgbClr val="000000"/>
+                </a:solidFill>
+                <a:uFillTx/>
+                <a:latin typeface="+mj-ea"/>
+                <a:ea typeface="+mj-ea"/>
+                <a:cs typeface="Arial" panose="020B0604020202020204"/>
+                <a:sym typeface="+mn-ea"/>
+              </a:rPr>
+              <a:t>, enhance, security).</a:t>
             </a:r>
           </a:p>
           <a:p>
@@ -2689,23 +2769,6 @@
             </a:endParaRPr>
           </a:p>
           <a:p>
-            <a:pPr marL="0" marR="0" lvl="0" indent="0" algn="l" defTabSz="914400" rtl="0" eaLnBrk="1" fontAlgn="auto" latinLnBrk="0" hangingPunct="1">
-              <a:lnSpc>
-                <a:spcPct val="100000"/>
-              </a:lnSpc>
-              <a:spcBef>
-                <a:spcPts val="0"/>
-              </a:spcBef>
-              <a:spcAft>
-                <a:spcPts val="0"/>
-              </a:spcAft>
-              <a:buClrTx/>
-              <a:buSzTx/>
-              <a:buFontTx/>
-              <a:buNone/>
-              <a:tabLst/>
-              <a:defRPr/>
-            </a:pPr>
             <a:r>
               <a:rPr lang="en-US" altLang="zh-CN" sz="2400" b="0" i="0" u="none" strike="noStrike" cap="none" spc="0" baseline="0" dirty="0">
                 <a:ln>
@@ -2784,10 +2847,71 @@
                 <a:cs typeface="Arial" panose="020B0604020202020204"/>
                 <a:sym typeface="+mn-ea"/>
               </a:rPr>
-              <a:t> suffer from incompleteness and low domain </a:t>
-            </a:r>
-            <a:r>
-              <a:rPr lang="en-US" altLang="zh-CN" sz="2400" b="0" i="0" u="none" strike="noStrike" cap="none" spc="0" baseline="0" dirty="0" err="1">
+              <a:t> suffer from </a:t>
+            </a:r>
+            <a:r>
+              <a:rPr lang="en-US" altLang="zh-CN" sz="1200" b="0" i="0" u="none" strike="noStrike" cap="none" spc="0" baseline="0" dirty="0">
+                <a:ln>
+                  <a:noFill/>
+                </a:ln>
+                <a:solidFill>
+                  <a:srgbClr val="000000"/>
+                </a:solidFill>
+                <a:uFillTx/>
+                <a:latin typeface="Calibri" panose="020F0502020204030204" pitchFamily="34" charset="0"/>
+                <a:ea typeface="Calibri" panose="020F0502020204030204" pitchFamily="34" charset="0"/>
+                <a:cs typeface="Calibri" panose="020F0502020204030204" pitchFamily="34" charset="0"/>
+                <a:sym typeface="+mn-ea"/>
+              </a:rPr>
+              <a:t>s</a:t>
+            </a:r>
+            <a:r>
+              <a:rPr lang="en-US" altLang="zh-CN" sz="1200" dirty="0">
+                <a:latin typeface="Calibri" panose="020F0502020204030204" pitchFamily="34" charset="0"/>
+                <a:ea typeface="Calibri" panose="020F0502020204030204" pitchFamily="34" charset="0"/>
+                <a:cs typeface="Calibri" panose="020F0502020204030204" pitchFamily="34" charset="0"/>
+                <a:sym typeface="+mn-ea"/>
+              </a:rPr>
+              <a:t>carcity</a:t>
+            </a:r>
+            <a:r>
+              <a:rPr lang="en-US" altLang="zh-CN" sz="1200" b="0" i="0" kern="1200" dirty="0">
+                <a:solidFill>
+                  <a:schemeClr val="tx1"/>
+                </a:solidFill>
+                <a:effectLst/>
+                <a:latin typeface="+mn-lt"/>
+                <a:ea typeface="+mn-ea"/>
+                <a:cs typeface="+mn-cs"/>
+              </a:rPr>
+              <a:t>[ˈ</a:t>
+            </a:r>
+            <a:r>
+              <a:rPr lang="en-US" altLang="zh-CN" sz="1200" b="0" i="0" kern="1200" dirty="0" err="1">
+                <a:solidFill>
+                  <a:schemeClr val="tx1"/>
+                </a:solidFill>
+                <a:effectLst/>
+                <a:latin typeface="+mn-lt"/>
+                <a:ea typeface="+mn-ea"/>
+                <a:cs typeface="+mn-cs"/>
+              </a:rPr>
+              <a:t>skersəti</a:t>
+            </a:r>
+            <a:r>
+              <a:rPr lang="en-US" altLang="zh-CN" sz="1200" b="0" i="0" kern="1200" dirty="0">
+                <a:solidFill>
+                  <a:schemeClr val="tx1"/>
+                </a:solidFill>
+                <a:effectLst/>
+                <a:latin typeface="+mn-lt"/>
+                <a:ea typeface="+mn-ea"/>
+                <a:cs typeface="+mn-cs"/>
+              </a:rPr>
+              <a:t>] and </a:t>
+            </a:r>
+            <a:r>
+              <a:rPr lang="en-US" altLang="zh-CN" sz="2400" b="0" i="0" u="none" strike="noStrike" cap="none" spc="0" baseline="0" dirty="0">
                 <a:ln>
                   <a:noFill/>
                 </a:ln>
@@ -2800,55 +2924,7 @@
                 <a:cs typeface="Arial" panose="020B0604020202020204"/>
                 <a:sym typeface="+mn-ea"/>
               </a:rPr>
-              <a:t>coverage.Automatically</a:t>
-            </a:r>
-            <a:r>
-              <a:rPr lang="en-US" altLang="zh-CN" sz="2400" b="0" i="0" u="none" strike="noStrike" cap="none" spc="0" baseline="0" dirty="0">
-                <a:ln>
-                  <a:noFill/>
-                </a:ln>
-                <a:solidFill>
-                  <a:srgbClr val="000000"/>
-                </a:solidFill>
-                <a:uFillTx/>
-                <a:latin typeface="+mj-ea"/>
-                <a:ea typeface="+mj-ea"/>
-                <a:cs typeface="Arial" panose="020B0604020202020204"/>
-                <a:sym typeface="+mn-ea"/>
-              </a:rPr>
-              <a:t> generated graphs often contain noise or even hallucinated </a:t>
-            </a:r>
-            <a:r>
-              <a:rPr lang="en-US" altLang="zh-CN" sz="2400" b="0" i="0" u="none" strike="noStrike" cap="none" spc="0" baseline="0" dirty="0" err="1">
-                <a:ln>
-                  <a:noFill/>
-                </a:ln>
-                <a:solidFill>
-                  <a:srgbClr val="000000"/>
-                </a:solidFill>
-                <a:uFillTx/>
-                <a:latin typeface="+mj-ea"/>
-                <a:ea typeface="+mj-ea"/>
-                <a:cs typeface="Arial" panose="020B0604020202020204"/>
-                <a:sym typeface="+mn-ea"/>
-              </a:rPr>
-              <a:t>facts.Therefore</a:t>
-            </a:r>
-            <a:r>
-              <a:rPr lang="en-US" altLang="zh-CN" sz="2400" b="0" i="0" u="none" strike="noStrike" cap="none" spc="0" baseline="0" dirty="0">
-                <a:ln>
-                  <a:noFill/>
-                </a:ln>
-                <a:solidFill>
-                  <a:srgbClr val="000000"/>
-                </a:solidFill>
-                <a:uFillTx/>
-                <a:latin typeface="+mj-ea"/>
-                <a:ea typeface="+mj-ea"/>
-                <a:cs typeface="Arial" panose="020B0604020202020204"/>
-                <a:sym typeface="+mn-ea"/>
-              </a:rPr>
-              <a:t>, there is a strong need for a new approach to build dense and accurate KGs from raw text.</a:t>
+              <a:t>incompleteness and low domain coverage. Automatically generated graphs often contain noise or even hallucinated facts. Therefore, there is a strong need for a new approach to build dense and accurate KGs from raw text.</a:t>
             </a:r>
           </a:p>
         </p:txBody>
@@ -3857,7 +3933,7 @@
               <a:t>This module </a:t>
             </a:r>
             <a:r>
-              <a:rPr lang="en-US" altLang="zh-CN" sz="2400" b="0" i="0" u="none" strike="noStrike" kern="0" cap="none" spc="0" baseline="0" dirty="0" err="1">
+              <a:rPr lang="en-US" altLang="zh-CN" sz="2400" b="0" i="0" u="none" strike="noStrike" kern="0" cap="none" spc="0" baseline="0" dirty="0">
                 <a:ln>
                   <a:noFill/>
                 </a:ln>
@@ -3873,22 +3949,13 @@
               <a:t>c</a:t>
             </a:r>
             <a:r>
-              <a:rPr lang="en-US" altLang="zh-CN" sz="2400" kern="0" dirty="0" err="1">
-                <a:latin typeface="Calibri" panose="020F0502020204030204" pitchFamily="34" charset="0"/>
-                <a:ea typeface="Calibri" panose="020F0502020204030204" pitchFamily="34" charset="0"/>
-                <a:cs typeface="Calibri" panose="020F0502020204030204" pitchFamily="34" charset="0"/>
-                <a:sym typeface="+mn-ea"/>
-              </a:rPr>
-              <a:t>ollecta</a:t>
-            </a:r>
-            <a:r>
               <a:rPr lang="en-US" altLang="zh-CN" sz="2400" kern="0" dirty="0">
                 <a:latin typeface="Calibri" panose="020F0502020204030204" pitchFamily="34" charset="0"/>
                 <a:ea typeface="Calibri" panose="020F0502020204030204" pitchFamily="34" charset="0"/>
                 <a:cs typeface="Calibri" panose="020F0502020204030204" pitchFamily="34" charset="0"/>
                 <a:sym typeface="+mn-ea"/>
               </a:rPr>
-              <a:t> all the unique entities and edges across all source graphs and </a:t>
+              <a:t>ollect all the unique entities and edges across all source graphs and </a:t>
             </a:r>
             <a:r>
               <a:rPr lang="en-US" altLang="zh-CN" sz="2400" dirty="0"/>
@@ -4126,7 +4193,47 @@
             </a:r>
             <a:r>
               <a:rPr lang="en-US" altLang="zh-CN" b="1" dirty="0"/>
-              <a:t>semantic judge</a:t>
+              <a:t>semantic</a:t>
+            </a:r>
+            <a:r>
+              <a:rPr lang="en-US" altLang="zh-CN" sz="1200" b="0" i="0" kern="1200" dirty="0">
+                <a:solidFill>
+                  <a:schemeClr val="tx1"/>
+                </a:solidFill>
+                <a:effectLst/>
+                <a:latin typeface="+mn-lt"/>
+                <a:ea typeface="+mn-ea"/>
+                <a:cs typeface="+mn-cs"/>
+              </a:rPr>
+              <a:t>[</a:t>
+            </a:r>
+            <a:r>
+              <a:rPr lang="en-US" altLang="zh-CN" sz="1200" b="0" i="0" kern="1200" dirty="0" err="1">
+                <a:solidFill>
+                  <a:schemeClr val="tx1"/>
+                </a:solidFill>
+                <a:effectLst/>
+                <a:latin typeface="+mn-lt"/>
+                <a:ea typeface="+mn-ea"/>
+                <a:cs typeface="+mn-cs"/>
+              </a:rPr>
+              <a:t>sɪˈmæntɪk</a:t>
+            </a:r>
+            <a:r>
+              <a:rPr lang="en-US" altLang="zh-CN" sz="1200" b="0" i="0" kern="1200" dirty="0">
+                <a:solidFill>
+                  <a:schemeClr val="tx1"/>
+                </a:solidFill>
+                <a:effectLst/>
+                <a:latin typeface="+mn-lt"/>
+                <a:ea typeface="+mn-ea"/>
+                <a:cs typeface="+mn-cs"/>
+              </a:rPr>
+              <a:t>]</a:t>
+            </a:r>
+            <a:r>
+              <a:rPr lang="en-US" altLang="zh-CN" b="1" dirty="0"/>
+              <a:t> judge</a:t>
             </a:r>
             <a:r>
               <a:rPr lang="en-US" altLang="zh-CN" dirty="0"/>
@@ -7567,8 +7674,8 @@
           </a:p>
         </p:txBody>
       </p:sp>
-      <mc:AlternateContent xmlns:mc="http://schemas.openxmlformats.org/markup-compatibility/2006" xmlns:a14="http://schemas.microsoft.com/office/drawing/2010/main">
-        <mc:Choice Requires="a14">
+      <mc:AlternateContent xmlns:mc="http://schemas.openxmlformats.org/markup-compatibility/2006">
+        <mc:Choice xmlns:a14="http://schemas.microsoft.com/office/drawing/2010/main" Requires="a14">
           <p:sp>
             <p:nvSpPr>
               <p:cNvPr id="19" name="コンテンツ プレースホルダ 2">
@@ -7898,7 +8005,7 @@
                   <a:buAutoNum type="arabicPeriod"/>
                 </a:pPr>
                 <a:r>
-                  <a:rPr lang="en-US" altLang="zh-CN" kern="0" dirty="0">
+                  <a:rPr lang="en-US" altLang="zh-CN" sz="2400" kern="0" dirty="0">
                     <a:latin typeface="Calibri" panose="020F0502020204030204" pitchFamily="34" charset="0"/>
                     <a:ea typeface="Calibri" panose="020F0502020204030204" pitchFamily="34" charset="0"/>
                     <a:cs typeface="Calibri" panose="020F0502020204030204" pitchFamily="34" charset="0"/>
@@ -7915,7 +8022,7 @@
                   <a:buAutoNum type="arabicPeriod"/>
                 </a:pPr>
                 <a:r>
-                  <a:rPr lang="en-US" altLang="zh-CN" kern="0" dirty="0">
+                  <a:rPr lang="en-US" altLang="zh-CN" sz="2400" kern="0" dirty="0">
                     <a:latin typeface="Calibri" panose="020F0502020204030204" pitchFamily="34" charset="0"/>
                     <a:ea typeface="Calibri" panose="020F0502020204030204" pitchFamily="34" charset="0"/>
                     <a:cs typeface="Calibri" panose="020F0502020204030204" pitchFamily="34" charset="0"/>
@@ -7932,7 +8039,7 @@
                   <a:buAutoNum type="arabicPeriod"/>
                 </a:pPr>
                 <a:r>
-                  <a:rPr lang="en-US" altLang="zh-CN" kern="0" dirty="0">
+                  <a:rPr lang="en-US" altLang="zh-CN" sz="2400" kern="0" dirty="0">
                     <a:latin typeface="Calibri" panose="020F0502020204030204" pitchFamily="34" charset="0"/>
                     <a:ea typeface="Calibri" panose="020F0502020204030204" pitchFamily="34" charset="0"/>
                     <a:cs typeface="Calibri" panose="020F0502020204030204" pitchFamily="34" charset="0"/>
@@ -7949,7 +8056,7 @@
                   <a:buAutoNum type="arabicPeriod"/>
                 </a:pPr>
                 <a:r>
-                  <a:rPr lang="en-US" altLang="zh-CN" kern="0" dirty="0">
+                  <a:rPr lang="en-US" altLang="zh-CN" sz="2400" kern="0" dirty="0">
                     <a:latin typeface="Calibri" panose="020F0502020204030204" pitchFamily="34" charset="0"/>
                     <a:ea typeface="Calibri" panose="020F0502020204030204" pitchFamily="34" charset="0"/>
                     <a:cs typeface="Calibri" panose="020F0502020204030204" pitchFamily="34" charset="0"/>
@@ -7965,7 +8072,7 @@
                   <a:buChar char="Ø"/>
                 </a:pPr>
                 <a:r>
-                  <a:rPr lang="en-US" altLang="zh-CN" i="1" kern="0" dirty="0">
+                  <a:rPr lang="en-US" altLang="zh-CN" sz="2400" i="1" kern="0" dirty="0">
                     <a:latin typeface="Calibri" panose="020F0502020204030204" pitchFamily="34" charset="0"/>
                     <a:ea typeface="Calibri" panose="020F0502020204030204" pitchFamily="34" charset="0"/>
                     <a:cs typeface="Calibri" panose="020F0502020204030204" pitchFamily="34" charset="0"/>
@@ -7982,7 +8089,7 @@
                   <a:buAutoNum type="arabicPeriod"/>
                 </a:pPr>
                 <a:r>
-                  <a:rPr lang="en-US" altLang="zh-CN" kern="0" dirty="0">
+                  <a:rPr lang="en-US" altLang="zh-CN" sz="2400" kern="0" dirty="0">
                     <a:latin typeface="Calibri" panose="020F0502020204030204" pitchFamily="34" charset="0"/>
                     <a:ea typeface="Calibri" panose="020F0502020204030204" pitchFamily="34" charset="0"/>
                     <a:cs typeface="Calibri" panose="020F0502020204030204" pitchFamily="34" charset="0"/>
@@ -7993,7 +8100,7 @@
                 <a14:m>
                   <m:oMath xmlns:m="http://schemas.openxmlformats.org/officeDocument/2006/math">
                     <m:r>
-                      <a:rPr lang="en-US" altLang="zh-CN" b="0" i="1" kern="0" smtClean="0">
+                      <a:rPr lang="en-US" altLang="zh-CN" sz="2400" b="0" i="1" kern="0" smtClean="0">
                         <a:latin typeface="Cambria Math" panose="02040503050406030204" pitchFamily="18" charset="0"/>
                         <a:ea typeface="Calibri" panose="020F0502020204030204" pitchFamily="34" charset="0"/>
                         <a:cs typeface="Calibri" panose="020F0502020204030204" pitchFamily="34" charset="0"/>
@@ -8003,7 +8110,7 @@
                     </m:r>
                   </m:oMath>
                 </a14:m>
-                <a:endParaRPr lang="en-US" altLang="zh-CN" kern="0" dirty="0">
+                <a:endParaRPr lang="en-US" altLang="zh-CN" sz="2400" kern="0" dirty="0">
                   <a:latin typeface="Calibri" panose="020F0502020204030204" pitchFamily="34" charset="0"/>
                   <a:ea typeface="Calibri" panose="020F0502020204030204" pitchFamily="34" charset="0"/>
                   <a:cs typeface="Calibri" panose="020F0502020204030204" pitchFamily="34" charset="0"/>
@@ -8018,7 +8125,7 @@
                   <a:buAutoNum type="arabicPeriod"/>
                 </a:pPr>
                 <a:r>
-                  <a:rPr lang="en-US" altLang="zh-CN" kern="0" dirty="0">
+                  <a:rPr lang="en-US" altLang="zh-CN" sz="2400" kern="0" dirty="0">
                     <a:latin typeface="Calibri" panose="020F0502020204030204" pitchFamily="34" charset="0"/>
                     <a:ea typeface="Calibri" panose="020F0502020204030204" pitchFamily="34" charset="0"/>
                     <a:cs typeface="Calibri" panose="020F0502020204030204" pitchFamily="34" charset="0"/>
@@ -8035,7 +8142,7 @@
                   <a:buAutoNum type="arabicPeriod"/>
                 </a:pPr>
                 <a:r>
-                  <a:rPr lang="en-US" altLang="zh-CN" kern="0" dirty="0">
+                  <a:rPr lang="en-US" altLang="zh-CN" sz="2400" kern="0" dirty="0">
                     <a:latin typeface="Calibri" panose="020F0502020204030204" pitchFamily="34" charset="0"/>
                     <a:ea typeface="Calibri" panose="020F0502020204030204" pitchFamily="34" charset="0"/>
                     <a:cs typeface="Calibri" panose="020F0502020204030204" pitchFamily="34" charset="0"/>
@@ -8063,7 +8170,7 @@
             </p:txBody>
           </p:sp>
         </mc:Choice>
-        <mc:Fallback xmlns="">
+        <mc:Fallback>
           <p:sp>
             <p:nvSpPr>
               <p:cNvPr id="19" name="コンテンツ プレースホルダ 2">
@@ -8089,7 +8196,7 @@
               <a:blipFill>
                 <a:blip r:embed="rId3"/>
                 <a:stretch>
-                  <a:fillRect l="-1769" t="-1464"/>
+                  <a:fillRect l="-1769" t="-1464" r="-1555"/>
                 </a:stretch>
               </a:blipFill>
               <a:ln w="12700">
